--- a/images/新規 Microsoft PowerPoint プレゼンテーション.pptx
+++ b/images/新規 Microsoft PowerPoint プレゼンテーション.pptx
@@ -6,7 +6,8 @@
   </p:sldMasterIdLst>
   <p:sldIdLst>
     <p:sldId id="256" r:id="rId2"/>
-    <p:sldId id="257" r:id="rId3"/>
+    <p:sldId id="258" r:id="rId3"/>
+    <p:sldId id="257" r:id="rId4"/>
   </p:sldIdLst>
   <p:sldSz cx="12192000" cy="6858000"/>
   <p:notesSz cx="6858000" cy="9144000"/>
@@ -260,7 +261,7 @@
           <a:p>
             <a:fld id="{46AD5BBF-D3C6-4982-B795-0FA54D99432E}" type="datetimeFigureOut">
               <a:rPr kumimoji="1" lang="ja-JP" altLang="en-US" smtClean="0"/>
-              <a:t>2021/1/15</a:t>
+              <a:t>2021/4/3</a:t>
             </a:fld>
             <a:endParaRPr kumimoji="1" lang="ja-JP" altLang="en-US"/>
           </a:p>
@@ -490,7 +491,7 @@
           <a:p>
             <a:fld id="{46AD5BBF-D3C6-4982-B795-0FA54D99432E}" type="datetimeFigureOut">
               <a:rPr kumimoji="1" lang="ja-JP" altLang="en-US" smtClean="0"/>
-              <a:t>2021/1/15</a:t>
+              <a:t>2021/4/3</a:t>
             </a:fld>
             <a:endParaRPr kumimoji="1" lang="ja-JP" altLang="en-US"/>
           </a:p>
@@ -730,7 +731,7 @@
           <a:p>
             <a:fld id="{46AD5BBF-D3C6-4982-B795-0FA54D99432E}" type="datetimeFigureOut">
               <a:rPr kumimoji="1" lang="ja-JP" altLang="en-US" smtClean="0"/>
-              <a:t>2021/1/15</a:t>
+              <a:t>2021/4/3</a:t>
             </a:fld>
             <a:endParaRPr kumimoji="1" lang="ja-JP" altLang="en-US"/>
           </a:p>
@@ -960,7 +961,7 @@
           <a:p>
             <a:fld id="{46AD5BBF-D3C6-4982-B795-0FA54D99432E}" type="datetimeFigureOut">
               <a:rPr kumimoji="1" lang="ja-JP" altLang="en-US" smtClean="0"/>
-              <a:t>2021/1/15</a:t>
+              <a:t>2021/4/3</a:t>
             </a:fld>
             <a:endParaRPr kumimoji="1" lang="ja-JP" altLang="en-US"/>
           </a:p>
@@ -1235,7 +1236,7 @@
           <a:p>
             <a:fld id="{46AD5BBF-D3C6-4982-B795-0FA54D99432E}" type="datetimeFigureOut">
               <a:rPr kumimoji="1" lang="ja-JP" altLang="en-US" smtClean="0"/>
-              <a:t>2021/1/15</a:t>
+              <a:t>2021/4/3</a:t>
             </a:fld>
             <a:endParaRPr kumimoji="1" lang="ja-JP" altLang="en-US"/>
           </a:p>
@@ -1564,7 +1565,7 @@
           <a:p>
             <a:fld id="{46AD5BBF-D3C6-4982-B795-0FA54D99432E}" type="datetimeFigureOut">
               <a:rPr kumimoji="1" lang="ja-JP" altLang="en-US" smtClean="0"/>
-              <a:t>2021/1/15</a:t>
+              <a:t>2021/4/3</a:t>
             </a:fld>
             <a:endParaRPr kumimoji="1" lang="ja-JP" altLang="en-US"/>
           </a:p>
@@ -2040,7 +2041,7 @@
           <a:p>
             <a:fld id="{46AD5BBF-D3C6-4982-B795-0FA54D99432E}" type="datetimeFigureOut">
               <a:rPr kumimoji="1" lang="ja-JP" altLang="en-US" smtClean="0"/>
-              <a:t>2021/1/15</a:t>
+              <a:t>2021/4/3</a:t>
             </a:fld>
             <a:endParaRPr kumimoji="1" lang="ja-JP" altLang="en-US"/>
           </a:p>
@@ -2181,7 +2182,7 @@
           <a:p>
             <a:fld id="{46AD5BBF-D3C6-4982-B795-0FA54D99432E}" type="datetimeFigureOut">
               <a:rPr kumimoji="1" lang="ja-JP" altLang="en-US" smtClean="0"/>
-              <a:t>2021/1/15</a:t>
+              <a:t>2021/4/3</a:t>
             </a:fld>
             <a:endParaRPr kumimoji="1" lang="ja-JP" altLang="en-US"/>
           </a:p>
@@ -2294,7 +2295,7 @@
           <a:p>
             <a:fld id="{46AD5BBF-D3C6-4982-B795-0FA54D99432E}" type="datetimeFigureOut">
               <a:rPr kumimoji="1" lang="ja-JP" altLang="en-US" smtClean="0"/>
-              <a:t>2021/1/15</a:t>
+              <a:t>2021/4/3</a:t>
             </a:fld>
             <a:endParaRPr kumimoji="1" lang="ja-JP" altLang="en-US"/>
           </a:p>
@@ -2637,7 +2638,7 @@
           <a:p>
             <a:fld id="{46AD5BBF-D3C6-4982-B795-0FA54D99432E}" type="datetimeFigureOut">
               <a:rPr kumimoji="1" lang="ja-JP" altLang="en-US" smtClean="0"/>
-              <a:t>2021/1/15</a:t>
+              <a:t>2021/4/3</a:t>
             </a:fld>
             <a:endParaRPr kumimoji="1" lang="ja-JP" altLang="en-US"/>
           </a:p>
@@ -2925,7 +2926,7 @@
           <a:p>
             <a:fld id="{46AD5BBF-D3C6-4982-B795-0FA54D99432E}" type="datetimeFigureOut">
               <a:rPr kumimoji="1" lang="ja-JP" altLang="en-US" smtClean="0"/>
-              <a:t>2021/1/15</a:t>
+              <a:t>2021/4/3</a:t>
             </a:fld>
             <a:endParaRPr kumimoji="1" lang="ja-JP" altLang="en-US"/>
           </a:p>
@@ -3198,7 +3199,7 @@
           <a:p>
             <a:fld id="{46AD5BBF-D3C6-4982-B795-0FA54D99432E}" type="datetimeFigureOut">
               <a:rPr kumimoji="1" lang="ja-JP" altLang="en-US" smtClean="0"/>
-              <a:t>2021/1/15</a:t>
+              <a:t>2021/4/3</a:t>
             </a:fld>
             <a:endParaRPr kumimoji="1" lang="ja-JP" altLang="en-US"/>
           </a:p>
@@ -5278,6 +5279,1681 @@
           <p:cNvPr id="4" name="正方形/長方形 3">
             <a:extLst>
               <a:ext uri="{FF2B5EF4-FFF2-40B4-BE49-F238E27FC236}">
+                <a16:creationId xmlns:a16="http://schemas.microsoft.com/office/drawing/2014/main" id="{1CD88F69-AE8A-49B0-9BAA-4389F5D71DD1}"/>
+              </a:ext>
+            </a:extLst>
+          </p:cNvPr>
+          <p:cNvSpPr/>
+          <p:nvPr/>
+        </p:nvSpPr>
+        <p:spPr>
+          <a:xfrm>
+            <a:off x="5328824" y="2972809"/>
+            <a:ext cx="5657227" cy="923330"/>
+          </a:xfrm>
+          <a:prstGeom prst="rect">
+            <a:avLst/>
+          </a:prstGeom>
+          <a:noFill/>
+        </p:spPr>
+        <p:txBody>
+          <a:bodyPr wrap="square" lIns="91440" tIns="45720" rIns="91440" bIns="45720">
+            <a:spAutoFit/>
+          </a:bodyPr>
+          <a:lstStyle/>
+          <a:p>
+            <a:pPr algn="ctr"/>
+            <a:r>
+              <a:rPr lang="en-US" altLang="ja-JP" sz="5400" b="0" cap="none" spc="0" dirty="0">
+                <a:ln w="0"/>
+                <a:solidFill>
+                  <a:schemeClr val="tx1"/>
+                </a:solidFill>
+                <a:latin typeface="DIN 2014 Demi" panose="020B0604020202020204" pitchFamily="34" charset="0"/>
+                <a:ea typeface="DIN 2014 Demi" panose="020B0604020202020204" pitchFamily="34" charset="0"/>
+                <a:cs typeface="DIN Pro Medium" panose="020B0604020101020102" pitchFamily="34" charset="0"/>
+              </a:rPr>
+              <a:t>WASEDASAI2021</a:t>
+            </a:r>
+            <a:endParaRPr lang="ja-JP" altLang="en-US" sz="5400" b="0" cap="none" spc="0" dirty="0">
+              <a:ln w="0"/>
+              <a:solidFill>
+                <a:schemeClr val="tx1"/>
+              </a:solidFill>
+              <a:latin typeface="DIN 2014 Demi" panose="020B0604020202020204" pitchFamily="34" charset="0"/>
+              <a:ea typeface="源ノ角ゴシック JP Medium" panose="020B0600000000000000" pitchFamily="34" charset="-128"/>
+              <a:cs typeface="DIN Pro Medium" panose="020B0604020101020102" pitchFamily="34" charset="0"/>
+            </a:endParaRPr>
+          </a:p>
+        </p:txBody>
+      </p:sp>
+      <p:pic>
+        <p:nvPicPr>
+          <p:cNvPr id="6" name="図 5">
+            <a:extLst>
+              <a:ext uri="{FF2B5EF4-FFF2-40B4-BE49-F238E27FC236}">
+                <a16:creationId xmlns:a16="http://schemas.microsoft.com/office/drawing/2014/main" id="{D4BEF4FC-4084-49F6-BD43-B28A56E5C495}"/>
+              </a:ext>
+            </a:extLst>
+          </p:cNvPr>
+          <p:cNvPicPr>
+            <a:picLocks noChangeAspect="1"/>
+          </p:cNvPicPr>
+          <p:nvPr/>
+        </p:nvPicPr>
+        <p:blipFill rotWithShape="1">
+          <a:blip r:embed="rId2">
+            <a:extLst>
+              <a:ext uri="{28A0092B-C50C-407E-A947-70E740481C1C}">
+                <a14:useLocalDpi xmlns:a14="http://schemas.microsoft.com/office/drawing/2010/main" val="0"/>
+              </a:ext>
+            </a:extLst>
+          </a:blip>
+          <a:srcRect b="13663"/>
+          <a:stretch/>
+        </p:blipFill>
+        <p:spPr>
+          <a:xfrm>
+            <a:off x="4033350" y="2371280"/>
+            <a:ext cx="1627773" cy="1558014"/>
+          </a:xfrm>
+          <a:prstGeom prst="rect">
+            <a:avLst/>
+          </a:prstGeom>
+        </p:spPr>
+      </p:pic>
+      <p:sp>
+        <p:nvSpPr>
+          <p:cNvPr id="7" name="正方形/長方形 6">
+            <a:extLst>
+              <a:ext uri="{FF2B5EF4-FFF2-40B4-BE49-F238E27FC236}">
+                <a16:creationId xmlns:a16="http://schemas.microsoft.com/office/drawing/2014/main" id="{21892A25-B5A4-4A5C-9204-640D69489F87}"/>
+              </a:ext>
+            </a:extLst>
+          </p:cNvPr>
+          <p:cNvSpPr/>
+          <p:nvPr/>
+        </p:nvSpPr>
+        <p:spPr>
+          <a:xfrm>
+            <a:off x="3538952" y="4911381"/>
+            <a:ext cx="1946619" cy="1946619"/>
+          </a:xfrm>
+          <a:prstGeom prst="rect">
+            <a:avLst/>
+          </a:prstGeom>
+          <a:blipFill dpi="0" rotWithShape="1">
+            <a:blip r:embed="rId2">
+              <a:extLst>
+                <a:ext uri="{28A0092B-C50C-407E-A947-70E740481C1C}">
+                  <a14:useLocalDpi xmlns:a14="http://schemas.microsoft.com/office/drawing/2010/main" val="0"/>
+                </a:ext>
+              </a:extLst>
+            </a:blip>
+            <a:srcRect/>
+            <a:stretch>
+              <a:fillRect l="8850" t="1583" r="7528" b="5714"/>
+            </a:stretch>
+          </a:blipFill>
+          <a:ln>
+            <a:noFill/>
+          </a:ln>
+        </p:spPr>
+        <p:style>
+          <a:lnRef idx="2">
+            <a:schemeClr val="accent1">
+              <a:shade val="50000"/>
+            </a:schemeClr>
+          </a:lnRef>
+          <a:fillRef idx="1">
+            <a:schemeClr val="accent1"/>
+          </a:fillRef>
+          <a:effectRef idx="0">
+            <a:schemeClr val="accent1"/>
+          </a:effectRef>
+          <a:fontRef idx="minor">
+            <a:schemeClr val="lt1"/>
+          </a:fontRef>
+        </p:style>
+        <p:txBody>
+          <a:bodyPr rtlCol="0" anchor="ctr"/>
+          <a:lstStyle/>
+          <a:p>
+            <a:pPr algn="ctr"/>
+            <a:endParaRPr kumimoji="1" lang="ja-JP" altLang="en-US" dirty="0"/>
+          </a:p>
+        </p:txBody>
+      </p:sp>
+      <p:sp>
+        <p:nvSpPr>
+          <p:cNvPr id="8" name="円: 塗りつぶしなし 7">
+            <a:extLst>
+              <a:ext uri="{FF2B5EF4-FFF2-40B4-BE49-F238E27FC236}">
+                <a16:creationId xmlns:a16="http://schemas.microsoft.com/office/drawing/2014/main" id="{35111939-1FBD-4E4E-8F5B-B20312B351E3}"/>
+              </a:ext>
+            </a:extLst>
+          </p:cNvPr>
+          <p:cNvSpPr/>
+          <p:nvPr/>
+        </p:nvSpPr>
+        <p:spPr>
+          <a:xfrm rot="19267465">
+            <a:off x="-200413" y="-39633"/>
+            <a:ext cx="2697305" cy="1183489"/>
+          </a:xfrm>
+          <a:prstGeom prst="donut">
+            <a:avLst>
+              <a:gd name="adj" fmla="val 15036"/>
+            </a:avLst>
+          </a:prstGeom>
+          <a:solidFill>
+            <a:srgbClr val="EE1111"/>
+          </a:solidFill>
+          <a:ln>
+            <a:noFill/>
+          </a:ln>
+        </p:spPr>
+        <p:style>
+          <a:lnRef idx="2">
+            <a:schemeClr val="accent1">
+              <a:shade val="50000"/>
+            </a:schemeClr>
+          </a:lnRef>
+          <a:fillRef idx="1">
+            <a:schemeClr val="accent1"/>
+          </a:fillRef>
+          <a:effectRef idx="0">
+            <a:schemeClr val="accent1"/>
+          </a:effectRef>
+          <a:fontRef idx="minor">
+            <a:schemeClr val="lt1"/>
+          </a:fontRef>
+        </p:style>
+        <p:txBody>
+          <a:bodyPr rtlCol="0" anchor="ctr"/>
+          <a:lstStyle/>
+          <a:p>
+            <a:pPr algn="ctr"/>
+            <a:endParaRPr kumimoji="1" lang="ja-JP" altLang="en-US">
+              <a:solidFill>
+                <a:schemeClr val="tx1"/>
+              </a:solidFill>
+            </a:endParaRPr>
+          </a:p>
+        </p:txBody>
+      </p:sp>
+      <p:sp>
+        <p:nvSpPr>
+          <p:cNvPr id="9" name="フリーフォーム: 図形 8">
+            <a:extLst>
+              <a:ext uri="{FF2B5EF4-FFF2-40B4-BE49-F238E27FC236}">
+                <a16:creationId xmlns:a16="http://schemas.microsoft.com/office/drawing/2014/main" id="{C0324562-744E-42A0-B9E3-46938741F372}"/>
+              </a:ext>
+            </a:extLst>
+          </p:cNvPr>
+          <p:cNvSpPr/>
+          <p:nvPr/>
+        </p:nvSpPr>
+        <p:spPr>
+          <a:xfrm>
+            <a:off x="2386212" y="-251054"/>
+            <a:ext cx="2939143" cy="408214"/>
+          </a:xfrm>
+          <a:custGeom>
+            <a:avLst/>
+            <a:gdLst>
+              <a:gd name="connsiteX0" fmla="*/ 0 w 2939143"/>
+              <a:gd name="connsiteY0" fmla="*/ 408214 h 408214"/>
+              <a:gd name="connsiteX1" fmla="*/ 1396093 w 2939143"/>
+              <a:gd name="connsiteY1" fmla="*/ 48986 h 408214"/>
+              <a:gd name="connsiteX2" fmla="*/ 2939143 w 2939143"/>
+              <a:gd name="connsiteY2" fmla="*/ 0 h 408214"/>
+              <a:gd name="connsiteX0" fmla="*/ 0 w 2939143"/>
+              <a:gd name="connsiteY0" fmla="*/ 408214 h 408214"/>
+              <a:gd name="connsiteX1" fmla="*/ 1396093 w 2939143"/>
+              <a:gd name="connsiteY1" fmla="*/ 68237 h 408214"/>
+              <a:gd name="connsiteX2" fmla="*/ 2939143 w 2939143"/>
+              <a:gd name="connsiteY2" fmla="*/ 0 h 408214"/>
+              <a:gd name="connsiteX0" fmla="*/ 0 w 2939143"/>
+              <a:gd name="connsiteY0" fmla="*/ 408214 h 408214"/>
+              <a:gd name="connsiteX1" fmla="*/ 1386468 w 2939143"/>
+              <a:gd name="connsiteY1" fmla="*/ 97113 h 408214"/>
+              <a:gd name="connsiteX2" fmla="*/ 2939143 w 2939143"/>
+              <a:gd name="connsiteY2" fmla="*/ 0 h 408214"/>
+            </a:gdLst>
+            <a:ahLst/>
+            <a:cxnLst>
+              <a:cxn ang="0">
+                <a:pos x="connsiteX0" y="connsiteY0"/>
+              </a:cxn>
+              <a:cxn ang="0">
+                <a:pos x="connsiteX1" y="connsiteY1"/>
+              </a:cxn>
+              <a:cxn ang="0">
+                <a:pos x="connsiteX2" y="connsiteY2"/>
+              </a:cxn>
+            </a:cxnLst>
+            <a:rect l="l" t="t" r="r" b="b"/>
+            <a:pathLst>
+              <a:path w="2939143" h="408214">
+                <a:moveTo>
+                  <a:pt x="0" y="408214"/>
+                </a:moveTo>
+                <a:cubicBezTo>
+                  <a:pt x="453118" y="262618"/>
+                  <a:pt x="896611" y="165149"/>
+                  <a:pt x="1386468" y="97113"/>
+                </a:cubicBezTo>
+                <a:cubicBezTo>
+                  <a:pt x="1876325" y="29077"/>
+                  <a:pt x="2692854" y="6804"/>
+                  <a:pt x="2939143" y="0"/>
+                </a:cubicBezTo>
+              </a:path>
+            </a:pathLst>
+          </a:custGeom>
+          <a:noFill/>
+          <a:ln w="177800" cap="rnd">
+            <a:solidFill>
+              <a:srgbClr val="0066EE"/>
+            </a:solidFill>
+            <a:round/>
+          </a:ln>
+        </p:spPr>
+        <p:style>
+          <a:lnRef idx="2">
+            <a:schemeClr val="accent1">
+              <a:shade val="50000"/>
+            </a:schemeClr>
+          </a:lnRef>
+          <a:fillRef idx="1">
+            <a:schemeClr val="accent1"/>
+          </a:fillRef>
+          <a:effectRef idx="0">
+            <a:schemeClr val="accent1"/>
+          </a:effectRef>
+          <a:fontRef idx="minor">
+            <a:schemeClr val="lt1"/>
+          </a:fontRef>
+        </p:style>
+        <p:txBody>
+          <a:bodyPr rtlCol="0" anchor="ctr"/>
+          <a:lstStyle/>
+          <a:p>
+            <a:pPr algn="ctr"/>
+            <a:endParaRPr kumimoji="1" lang="ja-JP" altLang="en-US"/>
+          </a:p>
+        </p:txBody>
+      </p:sp>
+      <p:sp>
+        <p:nvSpPr>
+          <p:cNvPr id="10" name="フリーフォーム: 図形 9">
+            <a:extLst>
+              <a:ext uri="{FF2B5EF4-FFF2-40B4-BE49-F238E27FC236}">
+                <a16:creationId xmlns:a16="http://schemas.microsoft.com/office/drawing/2014/main" id="{8428AB3E-7948-4C65-A4C8-E376B53AA07F}"/>
+              </a:ext>
+            </a:extLst>
+          </p:cNvPr>
+          <p:cNvSpPr/>
+          <p:nvPr/>
+        </p:nvSpPr>
+        <p:spPr>
+          <a:xfrm>
+            <a:off x="2386212" y="157160"/>
+            <a:ext cx="664143" cy="1232033"/>
+          </a:xfrm>
+          <a:custGeom>
+            <a:avLst/>
+            <a:gdLst>
+              <a:gd name="connsiteX0" fmla="*/ 0 w 654518"/>
+              <a:gd name="connsiteY0" fmla="*/ 0 h 1203158"/>
+              <a:gd name="connsiteX1" fmla="*/ 433137 w 654518"/>
+              <a:gd name="connsiteY1" fmla="*/ 539015 h 1203158"/>
+              <a:gd name="connsiteX2" fmla="*/ 654518 w 654518"/>
+              <a:gd name="connsiteY2" fmla="*/ 1203158 h 1203158"/>
+              <a:gd name="connsiteX0" fmla="*/ 0 w 654518"/>
+              <a:gd name="connsiteY0" fmla="*/ 0 h 1203158"/>
+              <a:gd name="connsiteX1" fmla="*/ 423512 w 654518"/>
+              <a:gd name="connsiteY1" fmla="*/ 567891 h 1203158"/>
+              <a:gd name="connsiteX2" fmla="*/ 654518 w 654518"/>
+              <a:gd name="connsiteY2" fmla="*/ 1203158 h 1203158"/>
+              <a:gd name="connsiteX0" fmla="*/ 0 w 664143"/>
+              <a:gd name="connsiteY0" fmla="*/ 0 h 1232033"/>
+              <a:gd name="connsiteX1" fmla="*/ 423512 w 664143"/>
+              <a:gd name="connsiteY1" fmla="*/ 567891 h 1232033"/>
+              <a:gd name="connsiteX2" fmla="*/ 664143 w 664143"/>
+              <a:gd name="connsiteY2" fmla="*/ 1232033 h 1232033"/>
+            </a:gdLst>
+            <a:ahLst/>
+            <a:cxnLst>
+              <a:cxn ang="0">
+                <a:pos x="connsiteX0" y="connsiteY0"/>
+              </a:cxn>
+              <a:cxn ang="0">
+                <a:pos x="connsiteX1" y="connsiteY1"/>
+              </a:cxn>
+              <a:cxn ang="0">
+                <a:pos x="connsiteX2" y="connsiteY2"/>
+              </a:cxn>
+            </a:cxnLst>
+            <a:rect l="l" t="t" r="r" b="b"/>
+            <a:pathLst>
+              <a:path w="664143" h="1232033">
+                <a:moveTo>
+                  <a:pt x="0" y="0"/>
+                </a:moveTo>
+                <a:cubicBezTo>
+                  <a:pt x="162025" y="169244"/>
+                  <a:pt x="312822" y="362552"/>
+                  <a:pt x="423512" y="567891"/>
+                </a:cubicBezTo>
+                <a:cubicBezTo>
+                  <a:pt x="534202" y="773230"/>
+                  <a:pt x="607995" y="1000224"/>
+                  <a:pt x="664143" y="1232033"/>
+                </a:cubicBezTo>
+              </a:path>
+            </a:pathLst>
+          </a:custGeom>
+          <a:noFill/>
+          <a:ln w="177800" cap="rnd">
+            <a:solidFill>
+              <a:srgbClr val="0066EE"/>
+            </a:solidFill>
+          </a:ln>
+        </p:spPr>
+        <p:style>
+          <a:lnRef idx="2">
+            <a:schemeClr val="accent1">
+              <a:shade val="50000"/>
+            </a:schemeClr>
+          </a:lnRef>
+          <a:fillRef idx="1">
+            <a:schemeClr val="accent1"/>
+          </a:fillRef>
+          <a:effectRef idx="0">
+            <a:schemeClr val="accent1"/>
+          </a:effectRef>
+          <a:fontRef idx="minor">
+            <a:schemeClr val="lt1"/>
+          </a:fontRef>
+        </p:style>
+        <p:txBody>
+          <a:bodyPr rtlCol="0" anchor="ctr"/>
+          <a:lstStyle/>
+          <a:p>
+            <a:pPr algn="ctr"/>
+            <a:endParaRPr kumimoji="1" lang="ja-JP" altLang="en-US"/>
+          </a:p>
+        </p:txBody>
+      </p:sp>
+      <p:cxnSp>
+        <p:nvCxnSpPr>
+          <p:cNvPr id="11" name="直線コネクタ 10">
+            <a:extLst>
+              <a:ext uri="{FF2B5EF4-FFF2-40B4-BE49-F238E27FC236}">
+                <a16:creationId xmlns:a16="http://schemas.microsoft.com/office/drawing/2014/main" id="{2B1B16D3-63DC-4B99-8EBB-F3B8C674E581}"/>
+              </a:ext>
+            </a:extLst>
+          </p:cNvPr>
+          <p:cNvCxnSpPr>
+            <a:cxnSpLocks/>
+            <a:stCxn id="10" idx="2"/>
+          </p:cNvCxnSpPr>
+          <p:nvPr/>
+        </p:nvCxnSpPr>
+        <p:spPr>
+          <a:xfrm flipV="1">
+            <a:off x="3050355" y="200904"/>
+            <a:ext cx="654517" cy="1188289"/>
+          </a:xfrm>
+          <a:prstGeom prst="line">
+            <a:avLst/>
+          </a:prstGeom>
+          <a:ln w="177800" cap="rnd">
+            <a:solidFill>
+              <a:srgbClr val="0066EE"/>
+            </a:solidFill>
+          </a:ln>
+        </p:spPr>
+        <p:style>
+          <a:lnRef idx="1">
+            <a:schemeClr val="accent1"/>
+          </a:lnRef>
+          <a:fillRef idx="0">
+            <a:schemeClr val="accent1"/>
+          </a:fillRef>
+          <a:effectRef idx="0">
+            <a:schemeClr val="accent1"/>
+          </a:effectRef>
+          <a:fontRef idx="minor">
+            <a:schemeClr val="tx1"/>
+          </a:fontRef>
+        </p:style>
+      </p:cxnSp>
+      <p:sp>
+        <p:nvSpPr>
+          <p:cNvPr id="12" name="フリーフォーム: 図形 11">
+            <a:extLst>
+              <a:ext uri="{FF2B5EF4-FFF2-40B4-BE49-F238E27FC236}">
+                <a16:creationId xmlns:a16="http://schemas.microsoft.com/office/drawing/2014/main" id="{AB149B95-FD33-4332-8DDD-A8CF939237C8}"/>
+              </a:ext>
+            </a:extLst>
+          </p:cNvPr>
+          <p:cNvSpPr/>
+          <p:nvPr/>
+        </p:nvSpPr>
+        <p:spPr>
+          <a:xfrm>
+            <a:off x="2626843" y="739918"/>
+            <a:ext cx="2146433" cy="173255"/>
+          </a:xfrm>
+          <a:custGeom>
+            <a:avLst/>
+            <a:gdLst>
+              <a:gd name="connsiteX0" fmla="*/ 0 w 2146433"/>
+              <a:gd name="connsiteY0" fmla="*/ 163629 h 163629"/>
+              <a:gd name="connsiteX1" fmla="*/ 1280160 w 2146433"/>
+              <a:gd name="connsiteY1" fmla="*/ 38501 h 163629"/>
+              <a:gd name="connsiteX2" fmla="*/ 2146433 w 2146433"/>
+              <a:gd name="connsiteY2" fmla="*/ 0 h 163629"/>
+              <a:gd name="connsiteX0" fmla="*/ 0 w 2146433"/>
+              <a:gd name="connsiteY0" fmla="*/ 192505 h 192505"/>
+              <a:gd name="connsiteX1" fmla="*/ 1280160 w 2146433"/>
+              <a:gd name="connsiteY1" fmla="*/ 38501 h 192505"/>
+              <a:gd name="connsiteX2" fmla="*/ 2146433 w 2146433"/>
+              <a:gd name="connsiteY2" fmla="*/ 0 h 192505"/>
+              <a:gd name="connsiteX0" fmla="*/ 0 w 2146433"/>
+              <a:gd name="connsiteY0" fmla="*/ 182880 h 182880"/>
+              <a:gd name="connsiteX1" fmla="*/ 1280160 w 2146433"/>
+              <a:gd name="connsiteY1" fmla="*/ 38501 h 182880"/>
+              <a:gd name="connsiteX2" fmla="*/ 2146433 w 2146433"/>
+              <a:gd name="connsiteY2" fmla="*/ 0 h 182880"/>
+              <a:gd name="connsiteX0" fmla="*/ 0 w 2146433"/>
+              <a:gd name="connsiteY0" fmla="*/ 173255 h 173255"/>
+              <a:gd name="connsiteX1" fmla="*/ 1280160 w 2146433"/>
+              <a:gd name="connsiteY1" fmla="*/ 38501 h 173255"/>
+              <a:gd name="connsiteX2" fmla="*/ 2146433 w 2146433"/>
+              <a:gd name="connsiteY2" fmla="*/ 0 h 173255"/>
+              <a:gd name="connsiteX0" fmla="*/ 0 w 2146433"/>
+              <a:gd name="connsiteY0" fmla="*/ 173255 h 173255"/>
+              <a:gd name="connsiteX1" fmla="*/ 1280160 w 2146433"/>
+              <a:gd name="connsiteY1" fmla="*/ 19250 h 173255"/>
+              <a:gd name="connsiteX2" fmla="*/ 2146433 w 2146433"/>
+              <a:gd name="connsiteY2" fmla="*/ 0 h 173255"/>
+              <a:gd name="connsiteX0" fmla="*/ 0 w 2146433"/>
+              <a:gd name="connsiteY0" fmla="*/ 173255 h 173255"/>
+              <a:gd name="connsiteX1" fmla="*/ 1270535 w 2146433"/>
+              <a:gd name="connsiteY1" fmla="*/ 38500 h 173255"/>
+              <a:gd name="connsiteX2" fmla="*/ 2146433 w 2146433"/>
+              <a:gd name="connsiteY2" fmla="*/ 0 h 173255"/>
+              <a:gd name="connsiteX0" fmla="*/ 0 w 2146433"/>
+              <a:gd name="connsiteY0" fmla="*/ 173255 h 173255"/>
+              <a:gd name="connsiteX1" fmla="*/ 1270535 w 2146433"/>
+              <a:gd name="connsiteY1" fmla="*/ 38500 h 173255"/>
+              <a:gd name="connsiteX2" fmla="*/ 2146433 w 2146433"/>
+              <a:gd name="connsiteY2" fmla="*/ 0 h 173255"/>
+              <a:gd name="connsiteX0" fmla="*/ 0 w 2146433"/>
+              <a:gd name="connsiteY0" fmla="*/ 173255 h 173255"/>
+              <a:gd name="connsiteX1" fmla="*/ 1270535 w 2146433"/>
+              <a:gd name="connsiteY1" fmla="*/ 19250 h 173255"/>
+              <a:gd name="connsiteX2" fmla="*/ 2146433 w 2146433"/>
+              <a:gd name="connsiteY2" fmla="*/ 0 h 173255"/>
+            </a:gdLst>
+            <a:ahLst/>
+            <a:cxnLst>
+              <a:cxn ang="0">
+                <a:pos x="connsiteX0" y="connsiteY0"/>
+              </a:cxn>
+              <a:cxn ang="0">
+                <a:pos x="connsiteX1" y="connsiteY1"/>
+              </a:cxn>
+              <a:cxn ang="0">
+                <a:pos x="connsiteX2" y="connsiteY2"/>
+              </a:cxn>
+            </a:cxnLst>
+            <a:rect l="l" t="t" r="r" b="b"/>
+            <a:pathLst>
+              <a:path w="2146433" h="173255">
+                <a:moveTo>
+                  <a:pt x="0" y="173255"/>
+                </a:moveTo>
+                <a:cubicBezTo>
+                  <a:pt x="426720" y="121920"/>
+                  <a:pt x="912796" y="48126"/>
+                  <a:pt x="1270535" y="19250"/>
+                </a:cubicBezTo>
+                <a:cubicBezTo>
+                  <a:pt x="1628274" y="-9626"/>
+                  <a:pt x="1892166" y="5615"/>
+                  <a:pt x="2146433" y="0"/>
+                </a:cubicBezTo>
+              </a:path>
+            </a:pathLst>
+          </a:custGeom>
+          <a:noFill/>
+          <a:ln w="177800" cap="rnd">
+            <a:solidFill>
+              <a:srgbClr val="0066EE"/>
+            </a:solidFill>
+          </a:ln>
+        </p:spPr>
+        <p:style>
+          <a:lnRef idx="2">
+            <a:schemeClr val="accent1">
+              <a:shade val="50000"/>
+            </a:schemeClr>
+          </a:lnRef>
+          <a:fillRef idx="1">
+            <a:schemeClr val="accent1"/>
+          </a:fillRef>
+          <a:effectRef idx="0">
+            <a:schemeClr val="accent1"/>
+          </a:effectRef>
+          <a:fontRef idx="minor">
+            <a:schemeClr val="lt1"/>
+          </a:fontRef>
+        </p:style>
+        <p:txBody>
+          <a:bodyPr rtlCol="0" anchor="ctr"/>
+          <a:lstStyle/>
+          <a:p>
+            <a:pPr algn="ctr"/>
+            <a:endParaRPr kumimoji="1" lang="ja-JP" altLang="en-US"/>
+          </a:p>
+        </p:txBody>
+      </p:sp>
+      <p:sp>
+        <p:nvSpPr>
+          <p:cNvPr id="13" name="フリーフォーム: 図形 12">
+            <a:extLst>
+              <a:ext uri="{FF2B5EF4-FFF2-40B4-BE49-F238E27FC236}">
+                <a16:creationId xmlns:a16="http://schemas.microsoft.com/office/drawing/2014/main" id="{C9969C0B-F7FF-44E9-83FE-BF899F647210}"/>
+              </a:ext>
+            </a:extLst>
+          </p:cNvPr>
+          <p:cNvSpPr/>
+          <p:nvPr/>
+        </p:nvSpPr>
+        <p:spPr>
+          <a:xfrm rot="20467675">
+            <a:off x="4595723" y="-176896"/>
+            <a:ext cx="2342760" cy="905411"/>
+          </a:xfrm>
+          <a:custGeom>
+            <a:avLst/>
+            <a:gdLst>
+              <a:gd name="connsiteX0" fmla="*/ 1999671 w 2342760"/>
+              <a:gd name="connsiteY0" fmla="*/ 133232 h 905411"/>
+              <a:gd name="connsiteX1" fmla="*/ 2342760 w 2342760"/>
+              <a:gd name="connsiteY1" fmla="*/ 454881 h 905411"/>
+              <a:gd name="connsiteX2" fmla="*/ 1627334 w 2342760"/>
+              <a:gd name="connsiteY2" fmla="*/ 874015 h 905411"/>
+              <a:gd name="connsiteX3" fmla="*/ 1536313 w 2342760"/>
+              <a:gd name="connsiteY3" fmla="*/ 884988 h 905411"/>
+              <a:gd name="connsiteX4" fmla="*/ 1506756 w 2342760"/>
+              <a:gd name="connsiteY4" fmla="*/ 744249 h 905411"/>
+              <a:gd name="connsiteX5" fmla="*/ 1570023 w 2342760"/>
+              <a:gd name="connsiteY5" fmla="*/ 738350 h 905411"/>
+              <a:gd name="connsiteX6" fmla="*/ 2195524 w 2342760"/>
+              <a:gd name="connsiteY6" fmla="*/ 454881 h 905411"/>
+              <a:gd name="connsiteX7" fmla="*/ 1171380 w 2342760"/>
+              <a:gd name="connsiteY7" fmla="*/ 147236 h 905411"/>
+              <a:gd name="connsiteX8" fmla="*/ 147236 w 2342760"/>
+              <a:gd name="connsiteY8" fmla="*/ 454881 h 905411"/>
+              <a:gd name="connsiteX9" fmla="*/ 964979 w 2342760"/>
+              <a:gd name="connsiteY9" fmla="*/ 756276 h 905411"/>
+              <a:gd name="connsiteX10" fmla="*/ 1029316 w 2342760"/>
+              <a:gd name="connsiteY10" fmla="*/ 758224 h 905411"/>
+              <a:gd name="connsiteX11" fmla="*/ 1060226 w 2342760"/>
+              <a:gd name="connsiteY11" fmla="*/ 905411 h 905411"/>
+              <a:gd name="connsiteX12" fmla="*/ 935306 w 2342760"/>
+              <a:gd name="connsiteY12" fmla="*/ 900520 h 905411"/>
+              <a:gd name="connsiteX13" fmla="*/ 0 w 2342760"/>
+              <a:gd name="connsiteY13" fmla="*/ 454881 h 905411"/>
+              <a:gd name="connsiteX14" fmla="*/ 1171380 w 2342760"/>
+              <a:gd name="connsiteY14" fmla="*/ 0 h 905411"/>
+              <a:gd name="connsiteX15" fmla="*/ 1999671 w 2342760"/>
+              <a:gd name="connsiteY15" fmla="*/ 133232 h 905411"/>
+            </a:gdLst>
+            <a:ahLst/>
+            <a:cxnLst>
+              <a:cxn ang="0">
+                <a:pos x="connsiteX0" y="connsiteY0"/>
+              </a:cxn>
+              <a:cxn ang="0">
+                <a:pos x="connsiteX1" y="connsiteY1"/>
+              </a:cxn>
+              <a:cxn ang="0">
+                <a:pos x="connsiteX2" y="connsiteY2"/>
+              </a:cxn>
+              <a:cxn ang="0">
+                <a:pos x="connsiteX3" y="connsiteY3"/>
+              </a:cxn>
+              <a:cxn ang="0">
+                <a:pos x="connsiteX4" y="connsiteY4"/>
+              </a:cxn>
+              <a:cxn ang="0">
+                <a:pos x="connsiteX5" y="connsiteY5"/>
+              </a:cxn>
+              <a:cxn ang="0">
+                <a:pos x="connsiteX6" y="connsiteY6"/>
+              </a:cxn>
+              <a:cxn ang="0">
+                <a:pos x="connsiteX7" y="connsiteY7"/>
+              </a:cxn>
+              <a:cxn ang="0">
+                <a:pos x="connsiteX8" y="connsiteY8"/>
+              </a:cxn>
+              <a:cxn ang="0">
+                <a:pos x="connsiteX9" y="connsiteY9"/>
+              </a:cxn>
+              <a:cxn ang="0">
+                <a:pos x="connsiteX10" y="connsiteY10"/>
+              </a:cxn>
+              <a:cxn ang="0">
+                <a:pos x="connsiteX11" y="connsiteY11"/>
+              </a:cxn>
+              <a:cxn ang="0">
+                <a:pos x="connsiteX12" y="connsiteY12"/>
+              </a:cxn>
+              <a:cxn ang="0">
+                <a:pos x="connsiteX13" y="connsiteY13"/>
+              </a:cxn>
+              <a:cxn ang="0">
+                <a:pos x="connsiteX14" y="connsiteY14"/>
+              </a:cxn>
+              <a:cxn ang="0">
+                <a:pos x="connsiteX15" y="connsiteY15"/>
+              </a:cxn>
+            </a:cxnLst>
+            <a:rect l="l" t="t" r="r" b="b"/>
+            <a:pathLst>
+              <a:path w="2342760" h="905411">
+                <a:moveTo>
+                  <a:pt x="1999671" y="133232"/>
+                </a:moveTo>
+                <a:cubicBezTo>
+                  <a:pt x="2211649" y="215549"/>
+                  <a:pt x="2342760" y="329269"/>
+                  <a:pt x="2342760" y="454881"/>
+                </a:cubicBezTo>
+                <a:cubicBezTo>
+                  <a:pt x="2342760" y="643299"/>
+                  <a:pt x="2047760" y="804961"/>
+                  <a:pt x="1627334" y="874015"/>
+                </a:cubicBezTo>
+                <a:lnTo>
+                  <a:pt x="1536313" y="884988"/>
+                </a:lnTo>
+                <a:lnTo>
+                  <a:pt x="1506756" y="744249"/>
+                </a:lnTo>
+                <a:lnTo>
+                  <a:pt x="1570023" y="738350"/>
+                </a:lnTo>
+                <a:cubicBezTo>
+                  <a:pt x="1937604" y="691647"/>
+                  <a:pt x="2195524" y="582312"/>
+                  <a:pt x="2195524" y="454881"/>
+                </a:cubicBezTo>
+                <a:cubicBezTo>
+                  <a:pt x="2195524" y="284973"/>
+                  <a:pt x="1736999" y="147236"/>
+                  <a:pt x="1171380" y="147236"/>
+                </a:cubicBezTo>
+                <a:cubicBezTo>
+                  <a:pt x="605761" y="147236"/>
+                  <a:pt x="147236" y="284973"/>
+                  <a:pt x="147236" y="454881"/>
+                </a:cubicBezTo>
+                <a:cubicBezTo>
+                  <a:pt x="147236" y="603550"/>
+                  <a:pt x="498295" y="727589"/>
+                  <a:pt x="964979" y="756276"/>
+                </a:cubicBezTo>
+                <a:lnTo>
+                  <a:pt x="1029316" y="758224"/>
+                </a:lnTo>
+                <a:lnTo>
+                  <a:pt x="1060226" y="905411"/>
+                </a:lnTo>
+                <a:lnTo>
+                  <a:pt x="935306" y="900520"/>
+                </a:lnTo>
+                <a:cubicBezTo>
+                  <a:pt x="401528" y="858104"/>
+                  <a:pt x="0" y="674702"/>
+                  <a:pt x="0" y="454881"/>
+                </a:cubicBezTo>
+                <a:cubicBezTo>
+                  <a:pt x="0" y="203657"/>
+                  <a:pt x="524445" y="0"/>
+                  <a:pt x="1171380" y="0"/>
+                </a:cubicBezTo>
+                <a:cubicBezTo>
+                  <a:pt x="1494848" y="0"/>
+                  <a:pt x="1787693" y="50914"/>
+                  <a:pt x="1999671" y="133232"/>
+                </a:cubicBezTo>
+                <a:close/>
+              </a:path>
+            </a:pathLst>
+          </a:custGeom>
+          <a:solidFill>
+            <a:srgbClr val="FFFF00"/>
+          </a:solidFill>
+          <a:ln>
+            <a:noFill/>
+          </a:ln>
+        </p:spPr>
+        <p:style>
+          <a:lnRef idx="2">
+            <a:schemeClr val="accent1">
+              <a:shade val="50000"/>
+            </a:schemeClr>
+          </a:lnRef>
+          <a:fillRef idx="1">
+            <a:schemeClr val="accent1"/>
+          </a:fillRef>
+          <a:effectRef idx="0">
+            <a:schemeClr val="accent1"/>
+          </a:effectRef>
+          <a:fontRef idx="minor">
+            <a:schemeClr val="lt1"/>
+          </a:fontRef>
+        </p:style>
+        <p:txBody>
+          <a:bodyPr rtlCol="0" anchor="ctr"/>
+          <a:lstStyle/>
+          <a:p>
+            <a:pPr algn="ctr"/>
+            <a:endParaRPr kumimoji="1" lang="ja-JP" altLang="en-US">
+              <a:solidFill>
+                <a:schemeClr val="tx1"/>
+              </a:solidFill>
+            </a:endParaRPr>
+          </a:p>
+        </p:txBody>
+      </p:sp>
+      <p:sp>
+        <p:nvSpPr>
+          <p:cNvPr id="14" name="フリーフォーム: 図形 13">
+            <a:extLst>
+              <a:ext uri="{FF2B5EF4-FFF2-40B4-BE49-F238E27FC236}">
+                <a16:creationId xmlns:a16="http://schemas.microsoft.com/office/drawing/2014/main" id="{F9E1AA1A-1055-4A41-A562-306910BFAD5B}"/>
+              </a:ext>
+            </a:extLst>
+          </p:cNvPr>
+          <p:cNvSpPr/>
+          <p:nvPr/>
+        </p:nvSpPr>
+        <p:spPr>
+          <a:xfrm>
+            <a:off x="5209600" y="696654"/>
+            <a:ext cx="1767862" cy="645904"/>
+          </a:xfrm>
+          <a:custGeom>
+            <a:avLst/>
+            <a:gdLst>
+              <a:gd name="connsiteX0" fmla="*/ 439612 w 1758273"/>
+              <a:gd name="connsiteY0" fmla="*/ 0 h 734387"/>
+              <a:gd name="connsiteX1" fmla="*/ 35351 w 1758273"/>
+              <a:gd name="connsiteY1" fmla="*/ 404261 h 734387"/>
+              <a:gd name="connsiteX2" fmla="*/ 64226 w 1758273"/>
+              <a:gd name="connsiteY2" fmla="*/ 712270 h 734387"/>
+              <a:gd name="connsiteX3" fmla="*/ 420361 w 1758273"/>
+              <a:gd name="connsiteY3" fmla="*/ 673769 h 734387"/>
+              <a:gd name="connsiteX4" fmla="*/ 920875 w 1758273"/>
+              <a:gd name="connsiteY4" fmla="*/ 385011 h 734387"/>
+              <a:gd name="connsiteX5" fmla="*/ 1190382 w 1758273"/>
+              <a:gd name="connsiteY5" fmla="*/ 250257 h 734387"/>
+              <a:gd name="connsiteX6" fmla="*/ 1758273 w 1758273"/>
+              <a:gd name="connsiteY6" fmla="*/ 134754 h 734387"/>
+              <a:gd name="connsiteX0" fmla="*/ 511879 w 1763163"/>
+              <a:gd name="connsiteY0" fmla="*/ 0 h 695886"/>
+              <a:gd name="connsiteX1" fmla="*/ 40241 w 1763163"/>
+              <a:gd name="connsiteY1" fmla="*/ 365760 h 695886"/>
+              <a:gd name="connsiteX2" fmla="*/ 69116 w 1763163"/>
+              <a:gd name="connsiteY2" fmla="*/ 673769 h 695886"/>
+              <a:gd name="connsiteX3" fmla="*/ 425251 w 1763163"/>
+              <a:gd name="connsiteY3" fmla="*/ 635268 h 695886"/>
+              <a:gd name="connsiteX4" fmla="*/ 925765 w 1763163"/>
+              <a:gd name="connsiteY4" fmla="*/ 346510 h 695886"/>
+              <a:gd name="connsiteX5" fmla="*/ 1195272 w 1763163"/>
+              <a:gd name="connsiteY5" fmla="*/ 211756 h 695886"/>
+              <a:gd name="connsiteX6" fmla="*/ 1763163 w 1763163"/>
+              <a:gd name="connsiteY6" fmla="*/ 96253 h 695886"/>
+              <a:gd name="connsiteX0" fmla="*/ 491230 w 1761764"/>
+              <a:gd name="connsiteY0" fmla="*/ 0 h 638134"/>
+              <a:gd name="connsiteX1" fmla="*/ 38842 w 1761764"/>
+              <a:gd name="connsiteY1" fmla="*/ 308008 h 638134"/>
+              <a:gd name="connsiteX2" fmla="*/ 67717 w 1761764"/>
+              <a:gd name="connsiteY2" fmla="*/ 616017 h 638134"/>
+              <a:gd name="connsiteX3" fmla="*/ 423852 w 1761764"/>
+              <a:gd name="connsiteY3" fmla="*/ 577516 h 638134"/>
+              <a:gd name="connsiteX4" fmla="*/ 924366 w 1761764"/>
+              <a:gd name="connsiteY4" fmla="*/ 288758 h 638134"/>
+              <a:gd name="connsiteX5" fmla="*/ 1193873 w 1761764"/>
+              <a:gd name="connsiteY5" fmla="*/ 154004 h 638134"/>
+              <a:gd name="connsiteX6" fmla="*/ 1761764 w 1761764"/>
+              <a:gd name="connsiteY6" fmla="*/ 38501 h 638134"/>
+              <a:gd name="connsiteX0" fmla="*/ 501554 w 1762463"/>
+              <a:gd name="connsiteY0" fmla="*/ 0 h 676635"/>
+              <a:gd name="connsiteX1" fmla="*/ 39541 w 1762463"/>
+              <a:gd name="connsiteY1" fmla="*/ 346509 h 676635"/>
+              <a:gd name="connsiteX2" fmla="*/ 68416 w 1762463"/>
+              <a:gd name="connsiteY2" fmla="*/ 654518 h 676635"/>
+              <a:gd name="connsiteX3" fmla="*/ 424551 w 1762463"/>
+              <a:gd name="connsiteY3" fmla="*/ 616017 h 676635"/>
+              <a:gd name="connsiteX4" fmla="*/ 925065 w 1762463"/>
+              <a:gd name="connsiteY4" fmla="*/ 327259 h 676635"/>
+              <a:gd name="connsiteX5" fmla="*/ 1194572 w 1762463"/>
+              <a:gd name="connsiteY5" fmla="*/ 192505 h 676635"/>
+              <a:gd name="connsiteX6" fmla="*/ 1762463 w 1762463"/>
+              <a:gd name="connsiteY6" fmla="*/ 77002 h 676635"/>
+              <a:gd name="connsiteX0" fmla="*/ 505655 w 1766564"/>
+              <a:gd name="connsiteY0" fmla="*/ 0 h 650918"/>
+              <a:gd name="connsiteX1" fmla="*/ 43642 w 1766564"/>
+              <a:gd name="connsiteY1" fmla="*/ 346509 h 650918"/>
+              <a:gd name="connsiteX2" fmla="*/ 62892 w 1766564"/>
+              <a:gd name="connsiteY2" fmla="*/ 616017 h 650918"/>
+              <a:gd name="connsiteX3" fmla="*/ 428652 w 1766564"/>
+              <a:gd name="connsiteY3" fmla="*/ 616017 h 650918"/>
+              <a:gd name="connsiteX4" fmla="*/ 929166 w 1766564"/>
+              <a:gd name="connsiteY4" fmla="*/ 327259 h 650918"/>
+              <a:gd name="connsiteX5" fmla="*/ 1198673 w 1766564"/>
+              <a:gd name="connsiteY5" fmla="*/ 192505 h 650918"/>
+              <a:gd name="connsiteX6" fmla="*/ 1766564 w 1766564"/>
+              <a:gd name="connsiteY6" fmla="*/ 77002 h 650918"/>
+              <a:gd name="connsiteX0" fmla="*/ 504219 w 1765128"/>
+              <a:gd name="connsiteY0" fmla="*/ 0 h 641141"/>
+              <a:gd name="connsiteX1" fmla="*/ 42206 w 1765128"/>
+              <a:gd name="connsiteY1" fmla="*/ 346509 h 641141"/>
+              <a:gd name="connsiteX2" fmla="*/ 61456 w 1765128"/>
+              <a:gd name="connsiteY2" fmla="*/ 616017 h 641141"/>
+              <a:gd name="connsiteX3" fmla="*/ 398341 w 1765128"/>
+              <a:gd name="connsiteY3" fmla="*/ 596766 h 641141"/>
+              <a:gd name="connsiteX4" fmla="*/ 927730 w 1765128"/>
+              <a:gd name="connsiteY4" fmla="*/ 327259 h 641141"/>
+              <a:gd name="connsiteX5" fmla="*/ 1197237 w 1765128"/>
+              <a:gd name="connsiteY5" fmla="*/ 192505 h 641141"/>
+              <a:gd name="connsiteX6" fmla="*/ 1765128 w 1765128"/>
+              <a:gd name="connsiteY6" fmla="*/ 77002 h 641141"/>
+              <a:gd name="connsiteX0" fmla="*/ 504219 w 1765128"/>
+              <a:gd name="connsiteY0" fmla="*/ 0 h 641141"/>
+              <a:gd name="connsiteX1" fmla="*/ 42206 w 1765128"/>
+              <a:gd name="connsiteY1" fmla="*/ 346509 h 641141"/>
+              <a:gd name="connsiteX2" fmla="*/ 61456 w 1765128"/>
+              <a:gd name="connsiteY2" fmla="*/ 616017 h 641141"/>
+              <a:gd name="connsiteX3" fmla="*/ 398341 w 1765128"/>
+              <a:gd name="connsiteY3" fmla="*/ 596766 h 641141"/>
+              <a:gd name="connsiteX4" fmla="*/ 927730 w 1765128"/>
+              <a:gd name="connsiteY4" fmla="*/ 327259 h 641141"/>
+              <a:gd name="connsiteX5" fmla="*/ 1283865 w 1765128"/>
+              <a:gd name="connsiteY5" fmla="*/ 163629 h 641141"/>
+              <a:gd name="connsiteX6" fmla="*/ 1765128 w 1765128"/>
+              <a:gd name="connsiteY6" fmla="*/ 77002 h 641141"/>
+              <a:gd name="connsiteX0" fmla="*/ 514426 w 1765810"/>
+              <a:gd name="connsiteY0" fmla="*/ 0 h 629235"/>
+              <a:gd name="connsiteX1" fmla="*/ 42888 w 1765810"/>
+              <a:gd name="connsiteY1" fmla="*/ 334603 h 629235"/>
+              <a:gd name="connsiteX2" fmla="*/ 62138 w 1765810"/>
+              <a:gd name="connsiteY2" fmla="*/ 604111 h 629235"/>
+              <a:gd name="connsiteX3" fmla="*/ 399023 w 1765810"/>
+              <a:gd name="connsiteY3" fmla="*/ 584860 h 629235"/>
+              <a:gd name="connsiteX4" fmla="*/ 928412 w 1765810"/>
+              <a:gd name="connsiteY4" fmla="*/ 315353 h 629235"/>
+              <a:gd name="connsiteX5" fmla="*/ 1284547 w 1765810"/>
+              <a:gd name="connsiteY5" fmla="*/ 151723 h 629235"/>
+              <a:gd name="connsiteX6" fmla="*/ 1765810 w 1765810"/>
+              <a:gd name="connsiteY6" fmla="*/ 65096 h 629235"/>
+              <a:gd name="connsiteX0" fmla="*/ 506771 w 1765299"/>
+              <a:gd name="connsiteY0" fmla="*/ 0 h 638760"/>
+              <a:gd name="connsiteX1" fmla="*/ 42377 w 1765299"/>
+              <a:gd name="connsiteY1" fmla="*/ 344128 h 638760"/>
+              <a:gd name="connsiteX2" fmla="*/ 61627 w 1765299"/>
+              <a:gd name="connsiteY2" fmla="*/ 613636 h 638760"/>
+              <a:gd name="connsiteX3" fmla="*/ 398512 w 1765299"/>
+              <a:gd name="connsiteY3" fmla="*/ 594385 h 638760"/>
+              <a:gd name="connsiteX4" fmla="*/ 927901 w 1765299"/>
+              <a:gd name="connsiteY4" fmla="*/ 324878 h 638760"/>
+              <a:gd name="connsiteX5" fmla="*/ 1284036 w 1765299"/>
+              <a:gd name="connsiteY5" fmla="*/ 161248 h 638760"/>
+              <a:gd name="connsiteX6" fmla="*/ 1765299 w 1765299"/>
+              <a:gd name="connsiteY6" fmla="*/ 74621 h 638760"/>
+              <a:gd name="connsiteX0" fmla="*/ 539948 w 1767520"/>
+              <a:gd name="connsiteY0" fmla="*/ 0 h 657810"/>
+              <a:gd name="connsiteX1" fmla="*/ 44598 w 1767520"/>
+              <a:gd name="connsiteY1" fmla="*/ 363178 h 657810"/>
+              <a:gd name="connsiteX2" fmla="*/ 63848 w 1767520"/>
+              <a:gd name="connsiteY2" fmla="*/ 632686 h 657810"/>
+              <a:gd name="connsiteX3" fmla="*/ 400733 w 1767520"/>
+              <a:gd name="connsiteY3" fmla="*/ 613435 h 657810"/>
+              <a:gd name="connsiteX4" fmla="*/ 930122 w 1767520"/>
+              <a:gd name="connsiteY4" fmla="*/ 343928 h 657810"/>
+              <a:gd name="connsiteX5" fmla="*/ 1286257 w 1767520"/>
+              <a:gd name="connsiteY5" fmla="*/ 180298 h 657810"/>
+              <a:gd name="connsiteX6" fmla="*/ 1767520 w 1767520"/>
+              <a:gd name="connsiteY6" fmla="*/ 93671 h 657810"/>
+              <a:gd name="connsiteX0" fmla="*/ 545053 w 1767862"/>
+              <a:gd name="connsiteY0" fmla="*/ 0 h 645904"/>
+              <a:gd name="connsiteX1" fmla="*/ 44940 w 1767862"/>
+              <a:gd name="connsiteY1" fmla="*/ 351272 h 645904"/>
+              <a:gd name="connsiteX2" fmla="*/ 64190 w 1767862"/>
+              <a:gd name="connsiteY2" fmla="*/ 620780 h 645904"/>
+              <a:gd name="connsiteX3" fmla="*/ 401075 w 1767862"/>
+              <a:gd name="connsiteY3" fmla="*/ 601529 h 645904"/>
+              <a:gd name="connsiteX4" fmla="*/ 930464 w 1767862"/>
+              <a:gd name="connsiteY4" fmla="*/ 332022 h 645904"/>
+              <a:gd name="connsiteX5" fmla="*/ 1286599 w 1767862"/>
+              <a:gd name="connsiteY5" fmla="*/ 168392 h 645904"/>
+              <a:gd name="connsiteX6" fmla="*/ 1767862 w 1767862"/>
+              <a:gd name="connsiteY6" fmla="*/ 81765 h 645904"/>
+            </a:gdLst>
+            <a:ahLst/>
+            <a:cxnLst>
+              <a:cxn ang="0">
+                <a:pos x="connsiteX0" y="connsiteY0"/>
+              </a:cxn>
+              <a:cxn ang="0">
+                <a:pos x="connsiteX1" y="connsiteY1"/>
+              </a:cxn>
+              <a:cxn ang="0">
+                <a:pos x="connsiteX2" y="connsiteY2"/>
+              </a:cxn>
+              <a:cxn ang="0">
+                <a:pos x="connsiteX3" y="connsiteY3"/>
+              </a:cxn>
+              <a:cxn ang="0">
+                <a:pos x="connsiteX4" y="connsiteY4"/>
+              </a:cxn>
+              <a:cxn ang="0">
+                <a:pos x="connsiteX5" y="connsiteY5"/>
+              </a:cxn>
+              <a:cxn ang="0">
+                <a:pos x="connsiteX6" y="connsiteY6"/>
+              </a:cxn>
+            </a:cxnLst>
+            <a:rect l="l" t="t" r="r" b="b"/>
+            <a:pathLst>
+              <a:path w="1767862" h="645904">
+                <a:moveTo>
+                  <a:pt x="545053" y="0"/>
+                </a:moveTo>
+                <a:cubicBezTo>
+                  <a:pt x="374204" y="142774"/>
+                  <a:pt x="125084" y="247809"/>
+                  <a:pt x="44940" y="351272"/>
+                </a:cubicBezTo>
+                <a:cubicBezTo>
+                  <a:pt x="-35204" y="454735"/>
+                  <a:pt x="4834" y="579070"/>
+                  <a:pt x="64190" y="620780"/>
+                </a:cubicBezTo>
+                <a:cubicBezTo>
+                  <a:pt x="123546" y="662490"/>
+                  <a:pt x="256696" y="649655"/>
+                  <a:pt x="401075" y="601529"/>
+                </a:cubicBezTo>
+                <a:cubicBezTo>
+                  <a:pt x="545454" y="553403"/>
+                  <a:pt x="782877" y="404211"/>
+                  <a:pt x="930464" y="332022"/>
+                </a:cubicBezTo>
+                <a:cubicBezTo>
+                  <a:pt x="1078051" y="259833"/>
+                  <a:pt x="1147033" y="210102"/>
+                  <a:pt x="1286599" y="168392"/>
+                </a:cubicBezTo>
+                <a:cubicBezTo>
+                  <a:pt x="1426165" y="126683"/>
+                  <a:pt x="1767862" y="81765"/>
+                  <a:pt x="1767862" y="81765"/>
+                </a:cubicBezTo>
+              </a:path>
+            </a:pathLst>
+          </a:custGeom>
+          <a:noFill/>
+          <a:ln w="177800" cap="rnd">
+            <a:solidFill>
+              <a:srgbClr val="FFFF00"/>
+            </a:solidFill>
+          </a:ln>
+        </p:spPr>
+        <p:style>
+          <a:lnRef idx="2">
+            <a:schemeClr val="accent1">
+              <a:shade val="50000"/>
+            </a:schemeClr>
+          </a:lnRef>
+          <a:fillRef idx="1">
+            <a:schemeClr val="accent1"/>
+          </a:fillRef>
+          <a:effectRef idx="0">
+            <a:schemeClr val="accent1"/>
+          </a:effectRef>
+          <a:fontRef idx="minor">
+            <a:schemeClr val="lt1"/>
+          </a:fontRef>
+        </p:style>
+        <p:txBody>
+          <a:bodyPr rtlCol="0" anchor="ctr"/>
+          <a:lstStyle/>
+          <a:p>
+            <a:pPr algn="ctr"/>
+            <a:endParaRPr kumimoji="1" lang="ja-JP" altLang="en-US"/>
+          </a:p>
+        </p:txBody>
+      </p:sp>
+      <p:sp>
+        <p:nvSpPr>
+          <p:cNvPr id="15" name="フリーフォーム: 図形 14">
+            <a:extLst>
+              <a:ext uri="{FF2B5EF4-FFF2-40B4-BE49-F238E27FC236}">
+                <a16:creationId xmlns:a16="http://schemas.microsoft.com/office/drawing/2014/main" id="{A1E856F2-D323-4269-BB10-6B6EB86DEFDA}"/>
+              </a:ext>
+            </a:extLst>
+          </p:cNvPr>
+          <p:cNvSpPr/>
+          <p:nvPr/>
+        </p:nvSpPr>
+        <p:spPr>
+          <a:xfrm>
+            <a:off x="7013390" y="-251054"/>
+            <a:ext cx="2939143" cy="408214"/>
+          </a:xfrm>
+          <a:custGeom>
+            <a:avLst/>
+            <a:gdLst>
+              <a:gd name="connsiteX0" fmla="*/ 0 w 2939143"/>
+              <a:gd name="connsiteY0" fmla="*/ 408214 h 408214"/>
+              <a:gd name="connsiteX1" fmla="*/ 1396093 w 2939143"/>
+              <a:gd name="connsiteY1" fmla="*/ 48986 h 408214"/>
+              <a:gd name="connsiteX2" fmla="*/ 2939143 w 2939143"/>
+              <a:gd name="connsiteY2" fmla="*/ 0 h 408214"/>
+              <a:gd name="connsiteX0" fmla="*/ 0 w 2939143"/>
+              <a:gd name="connsiteY0" fmla="*/ 408214 h 408214"/>
+              <a:gd name="connsiteX1" fmla="*/ 1396093 w 2939143"/>
+              <a:gd name="connsiteY1" fmla="*/ 68237 h 408214"/>
+              <a:gd name="connsiteX2" fmla="*/ 2939143 w 2939143"/>
+              <a:gd name="connsiteY2" fmla="*/ 0 h 408214"/>
+              <a:gd name="connsiteX0" fmla="*/ 0 w 2939143"/>
+              <a:gd name="connsiteY0" fmla="*/ 408214 h 408214"/>
+              <a:gd name="connsiteX1" fmla="*/ 1386468 w 2939143"/>
+              <a:gd name="connsiteY1" fmla="*/ 97113 h 408214"/>
+              <a:gd name="connsiteX2" fmla="*/ 2939143 w 2939143"/>
+              <a:gd name="connsiteY2" fmla="*/ 0 h 408214"/>
+            </a:gdLst>
+            <a:ahLst/>
+            <a:cxnLst>
+              <a:cxn ang="0">
+                <a:pos x="connsiteX0" y="connsiteY0"/>
+              </a:cxn>
+              <a:cxn ang="0">
+                <a:pos x="connsiteX1" y="connsiteY1"/>
+              </a:cxn>
+              <a:cxn ang="0">
+                <a:pos x="connsiteX2" y="connsiteY2"/>
+              </a:cxn>
+            </a:cxnLst>
+            <a:rect l="l" t="t" r="r" b="b"/>
+            <a:pathLst>
+              <a:path w="2939143" h="408214">
+                <a:moveTo>
+                  <a:pt x="0" y="408214"/>
+                </a:moveTo>
+                <a:cubicBezTo>
+                  <a:pt x="453118" y="262618"/>
+                  <a:pt x="896611" y="165149"/>
+                  <a:pt x="1386468" y="97113"/>
+                </a:cubicBezTo>
+                <a:cubicBezTo>
+                  <a:pt x="1876325" y="29077"/>
+                  <a:pt x="2692854" y="6804"/>
+                  <a:pt x="2939143" y="0"/>
+                </a:cubicBezTo>
+              </a:path>
+            </a:pathLst>
+          </a:custGeom>
+          <a:noFill/>
+          <a:ln w="177800" cap="rnd">
+            <a:solidFill>
+              <a:srgbClr val="00AA00"/>
+            </a:solidFill>
+            <a:round/>
+          </a:ln>
+        </p:spPr>
+        <p:style>
+          <a:lnRef idx="2">
+            <a:schemeClr val="accent1">
+              <a:shade val="50000"/>
+            </a:schemeClr>
+          </a:lnRef>
+          <a:fillRef idx="1">
+            <a:schemeClr val="accent1"/>
+          </a:fillRef>
+          <a:effectRef idx="0">
+            <a:schemeClr val="accent1"/>
+          </a:effectRef>
+          <a:fontRef idx="minor">
+            <a:schemeClr val="lt1"/>
+          </a:fontRef>
+        </p:style>
+        <p:txBody>
+          <a:bodyPr rtlCol="0" anchor="ctr"/>
+          <a:lstStyle/>
+          <a:p>
+            <a:pPr algn="ctr"/>
+            <a:endParaRPr kumimoji="1" lang="ja-JP" altLang="en-US"/>
+          </a:p>
+        </p:txBody>
+      </p:sp>
+      <p:sp>
+        <p:nvSpPr>
+          <p:cNvPr id="16" name="フリーフォーム: 図形 15">
+            <a:extLst>
+              <a:ext uri="{FF2B5EF4-FFF2-40B4-BE49-F238E27FC236}">
+                <a16:creationId xmlns:a16="http://schemas.microsoft.com/office/drawing/2014/main" id="{BE60B9CE-08FC-456E-B7CD-AF8AC8FA54A9}"/>
+              </a:ext>
+            </a:extLst>
+          </p:cNvPr>
+          <p:cNvSpPr/>
+          <p:nvPr/>
+        </p:nvSpPr>
+        <p:spPr>
+          <a:xfrm>
+            <a:off x="7013390" y="157160"/>
+            <a:ext cx="664143" cy="1232033"/>
+          </a:xfrm>
+          <a:custGeom>
+            <a:avLst/>
+            <a:gdLst>
+              <a:gd name="connsiteX0" fmla="*/ 0 w 654518"/>
+              <a:gd name="connsiteY0" fmla="*/ 0 h 1203158"/>
+              <a:gd name="connsiteX1" fmla="*/ 433137 w 654518"/>
+              <a:gd name="connsiteY1" fmla="*/ 539015 h 1203158"/>
+              <a:gd name="connsiteX2" fmla="*/ 654518 w 654518"/>
+              <a:gd name="connsiteY2" fmla="*/ 1203158 h 1203158"/>
+              <a:gd name="connsiteX0" fmla="*/ 0 w 654518"/>
+              <a:gd name="connsiteY0" fmla="*/ 0 h 1203158"/>
+              <a:gd name="connsiteX1" fmla="*/ 423512 w 654518"/>
+              <a:gd name="connsiteY1" fmla="*/ 567891 h 1203158"/>
+              <a:gd name="connsiteX2" fmla="*/ 654518 w 654518"/>
+              <a:gd name="connsiteY2" fmla="*/ 1203158 h 1203158"/>
+              <a:gd name="connsiteX0" fmla="*/ 0 w 664143"/>
+              <a:gd name="connsiteY0" fmla="*/ 0 h 1232033"/>
+              <a:gd name="connsiteX1" fmla="*/ 423512 w 664143"/>
+              <a:gd name="connsiteY1" fmla="*/ 567891 h 1232033"/>
+              <a:gd name="connsiteX2" fmla="*/ 664143 w 664143"/>
+              <a:gd name="connsiteY2" fmla="*/ 1232033 h 1232033"/>
+            </a:gdLst>
+            <a:ahLst/>
+            <a:cxnLst>
+              <a:cxn ang="0">
+                <a:pos x="connsiteX0" y="connsiteY0"/>
+              </a:cxn>
+              <a:cxn ang="0">
+                <a:pos x="connsiteX1" y="connsiteY1"/>
+              </a:cxn>
+              <a:cxn ang="0">
+                <a:pos x="connsiteX2" y="connsiteY2"/>
+              </a:cxn>
+            </a:cxnLst>
+            <a:rect l="l" t="t" r="r" b="b"/>
+            <a:pathLst>
+              <a:path w="664143" h="1232033">
+                <a:moveTo>
+                  <a:pt x="0" y="0"/>
+                </a:moveTo>
+                <a:cubicBezTo>
+                  <a:pt x="162025" y="169244"/>
+                  <a:pt x="312822" y="362552"/>
+                  <a:pt x="423512" y="567891"/>
+                </a:cubicBezTo>
+                <a:cubicBezTo>
+                  <a:pt x="534202" y="773230"/>
+                  <a:pt x="607995" y="1000224"/>
+                  <a:pt x="664143" y="1232033"/>
+                </a:cubicBezTo>
+              </a:path>
+            </a:pathLst>
+          </a:custGeom>
+          <a:noFill/>
+          <a:ln w="177800" cap="rnd">
+            <a:solidFill>
+              <a:srgbClr val="00AA00"/>
+            </a:solidFill>
+          </a:ln>
+        </p:spPr>
+        <p:style>
+          <a:lnRef idx="2">
+            <a:schemeClr val="accent1">
+              <a:shade val="50000"/>
+            </a:schemeClr>
+          </a:lnRef>
+          <a:fillRef idx="1">
+            <a:schemeClr val="accent1"/>
+          </a:fillRef>
+          <a:effectRef idx="0">
+            <a:schemeClr val="accent1"/>
+          </a:effectRef>
+          <a:fontRef idx="minor">
+            <a:schemeClr val="lt1"/>
+          </a:fontRef>
+        </p:style>
+        <p:txBody>
+          <a:bodyPr rtlCol="0" anchor="ctr"/>
+          <a:lstStyle/>
+          <a:p>
+            <a:pPr algn="ctr"/>
+            <a:endParaRPr kumimoji="1" lang="ja-JP" altLang="en-US"/>
+          </a:p>
+        </p:txBody>
+      </p:sp>
+      <p:cxnSp>
+        <p:nvCxnSpPr>
+          <p:cNvPr id="17" name="直線コネクタ 16">
+            <a:extLst>
+              <a:ext uri="{FF2B5EF4-FFF2-40B4-BE49-F238E27FC236}">
+                <a16:creationId xmlns:a16="http://schemas.microsoft.com/office/drawing/2014/main" id="{06634BA1-73A3-4F84-8E06-7B113ED13B00}"/>
+              </a:ext>
+            </a:extLst>
+          </p:cNvPr>
+          <p:cNvCxnSpPr>
+            <a:cxnSpLocks/>
+            <a:stCxn id="16" idx="2"/>
+          </p:cNvCxnSpPr>
+          <p:nvPr/>
+        </p:nvCxnSpPr>
+        <p:spPr>
+          <a:xfrm flipV="1">
+            <a:off x="7677533" y="200904"/>
+            <a:ext cx="654517" cy="1188289"/>
+          </a:xfrm>
+          <a:prstGeom prst="line">
+            <a:avLst/>
+          </a:prstGeom>
+          <a:ln w="177800" cap="rnd">
+            <a:solidFill>
+              <a:srgbClr val="00AA00"/>
+            </a:solidFill>
+          </a:ln>
+        </p:spPr>
+        <p:style>
+          <a:lnRef idx="1">
+            <a:schemeClr val="accent1"/>
+          </a:lnRef>
+          <a:fillRef idx="0">
+            <a:schemeClr val="accent1"/>
+          </a:fillRef>
+          <a:effectRef idx="0">
+            <a:schemeClr val="accent1"/>
+          </a:effectRef>
+          <a:fontRef idx="minor">
+            <a:schemeClr val="tx1"/>
+          </a:fontRef>
+        </p:style>
+      </p:cxnSp>
+      <p:sp>
+        <p:nvSpPr>
+          <p:cNvPr id="18" name="フリーフォーム: 図形 17">
+            <a:extLst>
+              <a:ext uri="{FF2B5EF4-FFF2-40B4-BE49-F238E27FC236}">
+                <a16:creationId xmlns:a16="http://schemas.microsoft.com/office/drawing/2014/main" id="{6646328A-21A5-44CD-A8F0-50095270087C}"/>
+              </a:ext>
+            </a:extLst>
+          </p:cNvPr>
+          <p:cNvSpPr/>
+          <p:nvPr/>
+        </p:nvSpPr>
+        <p:spPr>
+          <a:xfrm>
+            <a:off x="7254021" y="739918"/>
+            <a:ext cx="2146433" cy="173255"/>
+          </a:xfrm>
+          <a:custGeom>
+            <a:avLst/>
+            <a:gdLst>
+              <a:gd name="connsiteX0" fmla="*/ 0 w 2146433"/>
+              <a:gd name="connsiteY0" fmla="*/ 163629 h 163629"/>
+              <a:gd name="connsiteX1" fmla="*/ 1280160 w 2146433"/>
+              <a:gd name="connsiteY1" fmla="*/ 38501 h 163629"/>
+              <a:gd name="connsiteX2" fmla="*/ 2146433 w 2146433"/>
+              <a:gd name="connsiteY2" fmla="*/ 0 h 163629"/>
+              <a:gd name="connsiteX0" fmla="*/ 0 w 2146433"/>
+              <a:gd name="connsiteY0" fmla="*/ 192505 h 192505"/>
+              <a:gd name="connsiteX1" fmla="*/ 1280160 w 2146433"/>
+              <a:gd name="connsiteY1" fmla="*/ 38501 h 192505"/>
+              <a:gd name="connsiteX2" fmla="*/ 2146433 w 2146433"/>
+              <a:gd name="connsiteY2" fmla="*/ 0 h 192505"/>
+              <a:gd name="connsiteX0" fmla="*/ 0 w 2146433"/>
+              <a:gd name="connsiteY0" fmla="*/ 182880 h 182880"/>
+              <a:gd name="connsiteX1" fmla="*/ 1280160 w 2146433"/>
+              <a:gd name="connsiteY1" fmla="*/ 38501 h 182880"/>
+              <a:gd name="connsiteX2" fmla="*/ 2146433 w 2146433"/>
+              <a:gd name="connsiteY2" fmla="*/ 0 h 182880"/>
+              <a:gd name="connsiteX0" fmla="*/ 0 w 2146433"/>
+              <a:gd name="connsiteY0" fmla="*/ 173255 h 173255"/>
+              <a:gd name="connsiteX1" fmla="*/ 1280160 w 2146433"/>
+              <a:gd name="connsiteY1" fmla="*/ 38501 h 173255"/>
+              <a:gd name="connsiteX2" fmla="*/ 2146433 w 2146433"/>
+              <a:gd name="connsiteY2" fmla="*/ 0 h 173255"/>
+              <a:gd name="connsiteX0" fmla="*/ 0 w 2146433"/>
+              <a:gd name="connsiteY0" fmla="*/ 173255 h 173255"/>
+              <a:gd name="connsiteX1" fmla="*/ 1280160 w 2146433"/>
+              <a:gd name="connsiteY1" fmla="*/ 19250 h 173255"/>
+              <a:gd name="connsiteX2" fmla="*/ 2146433 w 2146433"/>
+              <a:gd name="connsiteY2" fmla="*/ 0 h 173255"/>
+              <a:gd name="connsiteX0" fmla="*/ 0 w 2146433"/>
+              <a:gd name="connsiteY0" fmla="*/ 173255 h 173255"/>
+              <a:gd name="connsiteX1" fmla="*/ 1270535 w 2146433"/>
+              <a:gd name="connsiteY1" fmla="*/ 38500 h 173255"/>
+              <a:gd name="connsiteX2" fmla="*/ 2146433 w 2146433"/>
+              <a:gd name="connsiteY2" fmla="*/ 0 h 173255"/>
+              <a:gd name="connsiteX0" fmla="*/ 0 w 2146433"/>
+              <a:gd name="connsiteY0" fmla="*/ 173255 h 173255"/>
+              <a:gd name="connsiteX1" fmla="*/ 1270535 w 2146433"/>
+              <a:gd name="connsiteY1" fmla="*/ 38500 h 173255"/>
+              <a:gd name="connsiteX2" fmla="*/ 2146433 w 2146433"/>
+              <a:gd name="connsiteY2" fmla="*/ 0 h 173255"/>
+              <a:gd name="connsiteX0" fmla="*/ 0 w 2146433"/>
+              <a:gd name="connsiteY0" fmla="*/ 173255 h 173255"/>
+              <a:gd name="connsiteX1" fmla="*/ 1270535 w 2146433"/>
+              <a:gd name="connsiteY1" fmla="*/ 19250 h 173255"/>
+              <a:gd name="connsiteX2" fmla="*/ 2146433 w 2146433"/>
+              <a:gd name="connsiteY2" fmla="*/ 0 h 173255"/>
+            </a:gdLst>
+            <a:ahLst/>
+            <a:cxnLst>
+              <a:cxn ang="0">
+                <a:pos x="connsiteX0" y="connsiteY0"/>
+              </a:cxn>
+              <a:cxn ang="0">
+                <a:pos x="connsiteX1" y="connsiteY1"/>
+              </a:cxn>
+              <a:cxn ang="0">
+                <a:pos x="connsiteX2" y="connsiteY2"/>
+              </a:cxn>
+            </a:cxnLst>
+            <a:rect l="l" t="t" r="r" b="b"/>
+            <a:pathLst>
+              <a:path w="2146433" h="173255">
+                <a:moveTo>
+                  <a:pt x="0" y="173255"/>
+                </a:moveTo>
+                <a:cubicBezTo>
+                  <a:pt x="426720" y="121920"/>
+                  <a:pt x="912796" y="48126"/>
+                  <a:pt x="1270535" y="19250"/>
+                </a:cubicBezTo>
+                <a:cubicBezTo>
+                  <a:pt x="1628274" y="-9626"/>
+                  <a:pt x="1892166" y="5615"/>
+                  <a:pt x="2146433" y="0"/>
+                </a:cubicBezTo>
+              </a:path>
+            </a:pathLst>
+          </a:custGeom>
+          <a:noFill/>
+          <a:ln w="177800" cap="rnd">
+            <a:solidFill>
+              <a:srgbClr val="00AA00"/>
+            </a:solidFill>
+          </a:ln>
+        </p:spPr>
+        <p:style>
+          <a:lnRef idx="2">
+            <a:schemeClr val="accent1">
+              <a:shade val="50000"/>
+            </a:schemeClr>
+          </a:lnRef>
+          <a:fillRef idx="1">
+            <a:schemeClr val="accent1"/>
+          </a:fillRef>
+          <a:effectRef idx="0">
+            <a:schemeClr val="accent1"/>
+          </a:effectRef>
+          <a:fontRef idx="minor">
+            <a:schemeClr val="lt1"/>
+          </a:fontRef>
+        </p:style>
+        <p:txBody>
+          <a:bodyPr rtlCol="0" anchor="ctr"/>
+          <a:lstStyle/>
+          <a:p>
+            <a:pPr algn="ctr"/>
+            <a:endParaRPr kumimoji="1" lang="ja-JP" altLang="en-US"/>
+          </a:p>
+        </p:txBody>
+      </p:sp>
+      <p:sp>
+        <p:nvSpPr>
+          <p:cNvPr id="19" name="フリーフォーム: 図形 18">
+            <a:extLst>
+              <a:ext uri="{FF2B5EF4-FFF2-40B4-BE49-F238E27FC236}">
+                <a16:creationId xmlns:a16="http://schemas.microsoft.com/office/drawing/2014/main" id="{18E5426F-E5DC-41FA-99BF-E0A6B1D49F0A}"/>
+              </a:ext>
+            </a:extLst>
+          </p:cNvPr>
+          <p:cNvSpPr/>
+          <p:nvPr/>
+        </p:nvSpPr>
+        <p:spPr>
+          <a:xfrm>
+            <a:off x="6215993" y="435333"/>
+            <a:ext cx="134675" cy="67289"/>
+          </a:xfrm>
+          <a:custGeom>
+            <a:avLst/>
+            <a:gdLst>
+              <a:gd name="connsiteX0" fmla="*/ 329938 w 329938"/>
+              <a:gd name="connsiteY0" fmla="*/ 0 h 169683"/>
+              <a:gd name="connsiteX1" fmla="*/ 0 w 329938"/>
+              <a:gd name="connsiteY1" fmla="*/ 169683 h 169683"/>
+              <a:gd name="connsiteX0" fmla="*/ 322794 w 322794"/>
+              <a:gd name="connsiteY0" fmla="*/ 0 h 179208"/>
+              <a:gd name="connsiteX1" fmla="*/ 0 w 322794"/>
+              <a:gd name="connsiteY1" fmla="*/ 179208 h 179208"/>
+              <a:gd name="connsiteX0" fmla="*/ 134675 w 134675"/>
+              <a:gd name="connsiteY0" fmla="*/ 0 h 67289"/>
+              <a:gd name="connsiteX1" fmla="*/ 0 w 134675"/>
+              <a:gd name="connsiteY1" fmla="*/ 67289 h 67289"/>
+            </a:gdLst>
+            <a:ahLst/>
+            <a:cxnLst>
+              <a:cxn ang="0">
+                <a:pos x="connsiteX0" y="connsiteY0"/>
+              </a:cxn>
+              <a:cxn ang="0">
+                <a:pos x="connsiteX1" y="connsiteY1"/>
+              </a:cxn>
+            </a:cxnLst>
+            <a:rect l="l" t="t" r="r" b="b"/>
+            <a:pathLst>
+              <a:path w="134675" h="67289">
+                <a:moveTo>
+                  <a:pt x="134675" y="0"/>
+                </a:moveTo>
+                <a:lnTo>
+                  <a:pt x="0" y="67289"/>
+                </a:lnTo>
+              </a:path>
+            </a:pathLst>
+          </a:custGeom>
+          <a:noFill/>
+          <a:ln w="142875" cap="rnd">
+            <a:solidFill>
+              <a:srgbClr val="FFFF00"/>
+            </a:solidFill>
+          </a:ln>
+        </p:spPr>
+        <p:style>
+          <a:lnRef idx="2">
+            <a:schemeClr val="accent1">
+              <a:shade val="50000"/>
+            </a:schemeClr>
+          </a:lnRef>
+          <a:fillRef idx="1">
+            <a:schemeClr val="accent1"/>
+          </a:fillRef>
+          <a:effectRef idx="0">
+            <a:schemeClr val="accent1"/>
+          </a:effectRef>
+          <a:fontRef idx="minor">
+            <a:schemeClr val="lt1"/>
+          </a:fontRef>
+        </p:style>
+        <p:txBody>
+          <a:bodyPr rtlCol="0" anchor="ctr"/>
+          <a:lstStyle/>
+          <a:p>
+            <a:pPr algn="ctr"/>
+            <a:endParaRPr kumimoji="1" lang="ja-JP" altLang="en-US"/>
+          </a:p>
+        </p:txBody>
+      </p:sp>
+      <p:sp>
+        <p:nvSpPr>
+          <p:cNvPr id="20" name="正方形/長方形 19">
+            <a:extLst>
+              <a:ext uri="{FF2B5EF4-FFF2-40B4-BE49-F238E27FC236}">
+                <a16:creationId xmlns:a16="http://schemas.microsoft.com/office/drawing/2014/main" id="{3C46ABF0-F53A-45F3-86DD-1416678087F5}"/>
+              </a:ext>
+            </a:extLst>
+          </p:cNvPr>
+          <p:cNvSpPr/>
+          <p:nvPr/>
+        </p:nvSpPr>
+        <p:spPr>
+          <a:xfrm>
+            <a:off x="10986051" y="-125520"/>
+            <a:ext cx="12406367" cy="2215991"/>
+          </a:xfrm>
+          <a:prstGeom prst="rect">
+            <a:avLst/>
+          </a:prstGeom>
+          <a:noFill/>
+        </p:spPr>
+        <p:txBody>
+          <a:bodyPr wrap="square" lIns="91440" tIns="45720" rIns="91440" bIns="45720">
+            <a:spAutoFit/>
+          </a:bodyPr>
+          <a:lstStyle/>
+          <a:p>
+            <a:pPr algn="ctr"/>
+            <a:r>
+              <a:rPr lang="en-US" altLang="ja-JP" sz="13800" b="0" cap="none" spc="0" dirty="0">
+                <a:ln w="0"/>
+                <a:solidFill>
+                  <a:schemeClr val="tx1"/>
+                </a:solidFill>
+                <a:latin typeface="DIN 2014 Light" panose="020B0404020202020204" pitchFamily="34" charset="0"/>
+                <a:ea typeface="DIN 2014 Light" panose="020B0404020202020204" pitchFamily="34" charset="0"/>
+                <a:cs typeface="DIN Pro Medium" panose="020B0604020101020102" pitchFamily="34" charset="0"/>
+              </a:rPr>
+              <a:t>WASEDASAI2020</a:t>
+            </a:r>
+            <a:endParaRPr lang="ja-JP" altLang="en-US" sz="13800" b="0" cap="none" spc="0" dirty="0">
+              <a:ln w="0"/>
+              <a:solidFill>
+                <a:schemeClr val="tx1"/>
+              </a:solidFill>
+              <a:latin typeface="DIN 2014 Light" panose="020B0404020202020204" pitchFamily="34" charset="0"/>
+              <a:ea typeface="源ノ角ゴシック JP Medium" panose="020B0600000000000000" pitchFamily="34" charset="-128"/>
+              <a:cs typeface="DIN Pro Medium" panose="020B0604020101020102" pitchFamily="34" charset="0"/>
+            </a:endParaRPr>
+          </a:p>
+        </p:txBody>
+      </p:sp>
+      <p:sp>
+        <p:nvSpPr>
+          <p:cNvPr id="21" name="正方形/長方形 20">
+            <a:extLst>
+              <a:ext uri="{FF2B5EF4-FFF2-40B4-BE49-F238E27FC236}">
+                <a16:creationId xmlns:a16="http://schemas.microsoft.com/office/drawing/2014/main" id="{1D28B2CF-D6AE-49A2-9FC5-EEE8C0633C3E}"/>
+              </a:ext>
+            </a:extLst>
+          </p:cNvPr>
+          <p:cNvSpPr/>
+          <p:nvPr/>
+        </p:nvSpPr>
+        <p:spPr>
+          <a:xfrm>
+            <a:off x="3753376" y="3896139"/>
+            <a:ext cx="2340155" cy="338554"/>
+          </a:xfrm>
+          <a:prstGeom prst="rect">
+            <a:avLst/>
+          </a:prstGeom>
+          <a:noFill/>
+        </p:spPr>
+        <p:txBody>
+          <a:bodyPr wrap="square" lIns="91440" tIns="45720" rIns="91440" bIns="45720">
+            <a:spAutoFit/>
+          </a:bodyPr>
+          <a:lstStyle/>
+          <a:p>
+            <a:pPr algn="ctr"/>
+            <a:r>
+              <a:rPr lang="en-US" altLang="ja-JP" sz="1600" b="0" cap="none" spc="0" dirty="0">
+                <a:ln w="0"/>
+                <a:solidFill>
+                  <a:schemeClr val="tx1"/>
+                </a:solidFill>
+                <a:latin typeface="DIN 2014 Bold" panose="020B0704020202020204" pitchFamily="34" charset="0"/>
+                <a:ea typeface="DIN 2014 Bold" panose="020B0704020202020204" pitchFamily="34" charset="0"/>
+                <a:cs typeface="DIN Pro Medium" panose="020B0604020101020102" pitchFamily="34" charset="0"/>
+              </a:rPr>
+              <a:t>WASEDASAI2021</a:t>
+            </a:r>
+            <a:endParaRPr lang="ja-JP" altLang="en-US" sz="1600" b="0" cap="none" spc="0" dirty="0">
+              <a:ln w="0"/>
+              <a:solidFill>
+                <a:schemeClr val="tx1"/>
+              </a:solidFill>
+              <a:latin typeface="DIN 2014 Bold" panose="020B0704020202020204" pitchFamily="34" charset="0"/>
+              <a:ea typeface="源ノ角ゴシック JP Medium" panose="020B0600000000000000" pitchFamily="34" charset="-128"/>
+              <a:cs typeface="DIN Pro Medium" panose="020B0604020101020102" pitchFamily="34" charset="0"/>
+            </a:endParaRPr>
+          </a:p>
+        </p:txBody>
+      </p:sp>
+    </p:spTree>
+    <p:extLst>
+      <p:ext uri="{BB962C8B-B14F-4D97-AF65-F5344CB8AC3E}">
+        <p14:creationId xmlns:p14="http://schemas.microsoft.com/office/powerpoint/2010/main" val="3023356380"/>
+      </p:ext>
+    </p:extLst>
+  </p:cSld>
+  <p:clrMapOvr>
+    <a:masterClrMapping/>
+  </p:clrMapOvr>
+</p:sld>
+</file>
+
+<file path=ppt/slides/slide3.xml><?xml version="1.0" encoding="utf-8"?>
+<p:sld xmlns:a="http://schemas.openxmlformats.org/drawingml/2006/main" xmlns:r="http://schemas.openxmlformats.org/officeDocument/2006/relationships" xmlns:p="http://schemas.openxmlformats.org/presentationml/2006/main">
+  <p:cSld>
+    <p:spTree>
+      <p:nvGrpSpPr>
+        <p:cNvPr id="1" name=""/>
+        <p:cNvGrpSpPr/>
+        <p:nvPr/>
+      </p:nvGrpSpPr>
+      <p:grpSpPr>
+        <a:xfrm>
+          <a:off x="0" y="0"/>
+          <a:ext cx="0" cy="0"/>
+          <a:chOff x="0" y="0"/>
+          <a:chExt cx="0" cy="0"/>
+        </a:xfrm>
+      </p:grpSpPr>
+      <p:sp>
+        <p:nvSpPr>
+          <p:cNvPr id="4" name="正方形/長方形 3">
+            <a:extLst>
+              <a:ext uri="{FF2B5EF4-FFF2-40B4-BE49-F238E27FC236}">
                 <a16:creationId xmlns:a16="http://schemas.microsoft.com/office/drawing/2014/main" id="{7F616197-B5A5-49BD-B6BE-4FCB874B9BBB}"/>
               </a:ext>
             </a:extLst>

--- a/images/新規 Microsoft PowerPoint プレゼンテーション.pptx
+++ b/images/新規 Microsoft PowerPoint プレゼンテーション.pptx
@@ -5288,7 +5288,7 @@
         </p:nvSpPr>
         <p:spPr>
           <a:xfrm>
-            <a:off x="5328824" y="2972809"/>
+            <a:off x="5498623" y="2967335"/>
             <a:ext cx="5657227" cy="923330"/>
           </a:xfrm>
           <a:prstGeom prst="rect">
@@ -6880,7 +6880,7 @@
         </p:nvSpPr>
         <p:spPr>
           <a:xfrm>
-            <a:off x="3753376" y="3896139"/>
+            <a:off x="1148239" y="4572827"/>
             <a:ext cx="2340155" cy="338554"/>
           </a:xfrm>
           <a:prstGeom prst="rect">
@@ -6916,6 +6916,68 @@
               <a:ea typeface="源ノ角ゴシック JP Medium" panose="020B0600000000000000" pitchFamily="34" charset="-128"/>
               <a:cs typeface="DIN Pro Medium" panose="020B0604020101020102" pitchFamily="34" charset="0"/>
             </a:endParaRPr>
+          </a:p>
+        </p:txBody>
+      </p:sp>
+      <p:sp>
+        <p:nvSpPr>
+          <p:cNvPr id="2" name="正方形/長方形 1">
+            <a:extLst>
+              <a:ext uri="{FF2B5EF4-FFF2-40B4-BE49-F238E27FC236}">
+                <a16:creationId xmlns:a16="http://schemas.microsoft.com/office/drawing/2014/main" id="{65D3CA92-F505-4129-A2D4-14599CA36BA7}"/>
+              </a:ext>
+            </a:extLst>
+          </p:cNvPr>
+          <p:cNvSpPr/>
+          <p:nvPr/>
+        </p:nvSpPr>
+        <p:spPr>
+          <a:xfrm>
+            <a:off x="7677533" y="4376344"/>
+            <a:ext cx="1958736" cy="1958736"/>
+          </a:xfrm>
+          <a:prstGeom prst="rect">
+            <a:avLst/>
+          </a:prstGeom>
+          <a:blipFill dpi="0" rotWithShape="1">
+            <a:blip r:embed="rId3">
+              <a:extLst>
+                <a:ext uri="{28A0092B-C50C-407E-A947-70E740481C1C}">
+                  <a14:useLocalDpi xmlns:a14="http://schemas.microsoft.com/office/drawing/2010/main" val="0"/>
+                </a:ext>
+              </a:extLst>
+            </a:blip>
+            <a:srcRect/>
+            <a:stretch>
+              <a:fillRect l="-2345" r="-2345"/>
+            </a:stretch>
+          </a:blipFill>
+          <a:ln>
+            <a:noFill/>
+          </a:ln>
+        </p:spPr>
+        <p:style>
+          <a:lnRef idx="2">
+            <a:schemeClr val="accent1">
+              <a:shade val="50000"/>
+            </a:schemeClr>
+          </a:lnRef>
+          <a:fillRef idx="1">
+            <a:schemeClr val="accent1"/>
+          </a:fillRef>
+          <a:effectRef idx="0">
+            <a:schemeClr val="accent1"/>
+          </a:effectRef>
+          <a:fontRef idx="minor">
+            <a:schemeClr val="lt1"/>
+          </a:fontRef>
+        </p:style>
+        <p:txBody>
+          <a:bodyPr rtlCol="0" anchor="ctr"/>
+          <a:lstStyle/>
+          <a:p>
+            <a:pPr algn="ctr"/>
+            <a:endParaRPr kumimoji="1" lang="ja-JP" altLang="en-US"/>
           </a:p>
         </p:txBody>
       </p:sp>
